--- a/기획) header간편제작 tool.pptx
+++ b/기획) header간편제작 tool.pptx
@@ -10,6 +10,7 @@
     <p:sldId id="259" r:id="rId4"/>
     <p:sldId id="261" r:id="rId5"/>
     <p:sldId id="260" r:id="rId6"/>
+    <p:sldId id="262" r:id="rId7"/>
   </p:sldIdLst>
   <p:sldSz cx="12192000" cy="6858000"/>
   <p:notesSz cx="6858000" cy="9144000"/>
@@ -5064,10 +5065,10 @@
       </p:sp>
       <p:sp>
         <p:nvSpPr>
-          <p:cNvPr id="4" name="TextBox 3">
-            <a:extLst>
-              <a:ext uri="{FF2B5EF4-FFF2-40B4-BE49-F238E27FC236}">
-                <a16:creationId xmlns:a16="http://schemas.microsoft.com/office/drawing/2014/main" id="{F369C871-7739-4442-A86C-BECCDAE82C91}"/>
+          <p:cNvPr id="8" name="TextBox 7">
+            <a:extLst>
+              <a:ext uri="{FF2B5EF4-FFF2-40B4-BE49-F238E27FC236}">
+                <a16:creationId xmlns:a16="http://schemas.microsoft.com/office/drawing/2014/main" id="{2E16DD66-9C81-425A-B38D-1327108BC560}"/>
               </a:ext>
             </a:extLst>
           </p:cNvPr>
@@ -5076,8 +5077,1486 @@
         </p:nvSpPr>
         <p:spPr>
           <a:xfrm>
-            <a:off x="162560" y="1259840"/>
-            <a:ext cx="11826240" cy="923330"/>
+            <a:off x="545135" y="1397675"/>
+            <a:ext cx="10953181" cy="369332"/>
+          </a:xfrm>
+          <a:prstGeom prst="rect">
+            <a:avLst/>
+          </a:prstGeom>
+          <a:solidFill>
+            <a:schemeClr val="accent6">
+              <a:lumMod val="20000"/>
+              <a:lumOff val="80000"/>
+            </a:schemeClr>
+          </a:solidFill>
+        </p:spPr>
+        <p:txBody>
+          <a:bodyPr wrap="square" rtlCol="0">
+            <a:spAutoFit/>
+          </a:bodyPr>
+          <a:lstStyle/>
+          <a:p>
+            <a:r>
+              <a:rPr lang="en-US" altLang="ko-KR" dirty="0"/>
+              <a:t>1. </a:t>
+            </a:r>
+            <a:r>
+              <a:rPr lang="ko-KR" altLang="en-US" dirty="0"/>
+              <a:t>로고 이미지가 필요한지</a:t>
+            </a:r>
+            <a:r>
+              <a:rPr lang="en-US" altLang="ko-KR" dirty="0"/>
+              <a:t>, </a:t>
+            </a:r>
+            <a:r>
+              <a:rPr lang="ko-KR" altLang="en-US" dirty="0"/>
+              <a:t>무엇인지</a:t>
+            </a:r>
+            <a:endParaRPr lang="en-US" altLang="ko-KR" dirty="0"/>
+          </a:p>
+        </p:txBody>
+      </p:sp>
+      <p:sp>
+        <p:nvSpPr>
+          <p:cNvPr id="12" name="TextBox 11">
+            <a:extLst>
+              <a:ext uri="{FF2B5EF4-FFF2-40B4-BE49-F238E27FC236}">
+                <a16:creationId xmlns:a16="http://schemas.microsoft.com/office/drawing/2014/main" id="{D28605CF-DCF4-4BBD-A8BF-040755124083}"/>
+              </a:ext>
+            </a:extLst>
+          </p:cNvPr>
+          <p:cNvSpPr txBox="1"/>
+          <p:nvPr/>
+        </p:nvSpPr>
+        <p:spPr>
+          <a:xfrm>
+            <a:off x="545134" y="1843005"/>
+            <a:ext cx="10953181" cy="369332"/>
+          </a:xfrm>
+          <a:prstGeom prst="rect">
+            <a:avLst/>
+          </a:prstGeom>
+          <a:noFill/>
+          <a:ln>
+            <a:solidFill>
+              <a:schemeClr val="tx1"/>
+            </a:solidFill>
+          </a:ln>
+        </p:spPr>
+        <p:txBody>
+          <a:bodyPr wrap="square" rtlCol="0">
+            <a:spAutoFit/>
+          </a:bodyPr>
+          <a:lstStyle/>
+          <a:p>
+            <a:r>
+              <a:rPr lang="en-US" altLang="ko-KR" dirty="0" err="1"/>
+              <a:t>checkBox</a:t>
+            </a:r>
+            <a:r>
+              <a:rPr lang="en-US" altLang="ko-KR" dirty="0"/>
+              <a:t> input </a:t>
+            </a:r>
+            <a:r>
+              <a:rPr lang="ko-KR" altLang="en-US" dirty="0"/>
+              <a:t>및 선택 여부에 따라 </a:t>
+            </a:r>
+            <a:r>
+              <a:rPr lang="en-US" altLang="ko-KR" dirty="0"/>
+              <a:t>file upload </a:t>
+            </a:r>
+            <a:r>
+              <a:rPr lang="ko-KR" altLang="en-US" dirty="0"/>
+              <a:t>또는 </a:t>
+            </a:r>
+            <a:r>
+              <a:rPr lang="en-US" altLang="ko-KR" dirty="0" err="1"/>
+              <a:t>url</a:t>
+            </a:r>
+            <a:r>
+              <a:rPr lang="en-US" altLang="ko-KR" dirty="0"/>
+              <a:t> input box</a:t>
+            </a:r>
+            <a:r>
+              <a:rPr lang="ko-KR" altLang="en-US" dirty="0"/>
+              <a:t> </a:t>
+            </a:r>
+            <a:r>
+              <a:rPr lang="en-US" altLang="ko-KR" dirty="0"/>
+              <a:t>display</a:t>
+            </a:r>
+            <a:r>
+              <a:rPr lang="ko-KR" altLang="en-US" dirty="0"/>
+              <a:t> </a:t>
+            </a:r>
+            <a:endParaRPr lang="en-US" altLang="ko-KR" dirty="0"/>
+          </a:p>
+        </p:txBody>
+      </p:sp>
+      <p:sp>
+        <p:nvSpPr>
+          <p:cNvPr id="13" name="TextBox 12">
+            <a:extLst>
+              <a:ext uri="{FF2B5EF4-FFF2-40B4-BE49-F238E27FC236}">
+                <a16:creationId xmlns:a16="http://schemas.microsoft.com/office/drawing/2014/main" id="{E1FC743A-A72E-4035-AC51-A9AD9BF22F36}"/>
+              </a:ext>
+            </a:extLst>
+          </p:cNvPr>
+          <p:cNvSpPr txBox="1"/>
+          <p:nvPr/>
+        </p:nvSpPr>
+        <p:spPr>
+          <a:xfrm>
+            <a:off x="545134" y="2650345"/>
+            <a:ext cx="10953181" cy="369332"/>
+          </a:xfrm>
+          <a:prstGeom prst="rect">
+            <a:avLst/>
+          </a:prstGeom>
+          <a:solidFill>
+            <a:schemeClr val="accent6">
+              <a:lumMod val="20000"/>
+              <a:lumOff val="80000"/>
+            </a:schemeClr>
+          </a:solidFill>
+        </p:spPr>
+        <p:txBody>
+          <a:bodyPr wrap="square" rtlCol="0">
+            <a:spAutoFit/>
+          </a:bodyPr>
+          <a:lstStyle/>
+          <a:p>
+            <a:r>
+              <a:rPr lang="en-US" altLang="ko-KR" dirty="0"/>
+              <a:t>2. Header</a:t>
+            </a:r>
+            <a:r>
+              <a:rPr lang="ko-KR" altLang="en-US" dirty="0"/>
+              <a:t>가 몇 개의 라인으로 구성되는지 선택</a:t>
+            </a:r>
+            <a:endParaRPr lang="en-US" altLang="ko-KR" dirty="0"/>
+          </a:p>
+        </p:txBody>
+      </p:sp>
+      <p:sp>
+        <p:nvSpPr>
+          <p:cNvPr id="14" name="TextBox 13">
+            <a:extLst>
+              <a:ext uri="{FF2B5EF4-FFF2-40B4-BE49-F238E27FC236}">
+                <a16:creationId xmlns:a16="http://schemas.microsoft.com/office/drawing/2014/main" id="{F15848D5-A981-417D-B38B-11D4F231F955}"/>
+              </a:ext>
+            </a:extLst>
+          </p:cNvPr>
+          <p:cNvSpPr txBox="1"/>
+          <p:nvPr/>
+        </p:nvSpPr>
+        <p:spPr>
+          <a:xfrm>
+            <a:off x="545134" y="3105834"/>
+            <a:ext cx="10953181" cy="646331"/>
+          </a:xfrm>
+          <a:prstGeom prst="rect">
+            <a:avLst/>
+          </a:prstGeom>
+          <a:noFill/>
+          <a:ln>
+            <a:solidFill>
+              <a:schemeClr val="tx1"/>
+            </a:solidFill>
+          </a:ln>
+        </p:spPr>
+        <p:txBody>
+          <a:bodyPr wrap="square" rtlCol="0">
+            <a:spAutoFit/>
+          </a:bodyPr>
+          <a:lstStyle/>
+          <a:p>
+            <a:r>
+              <a:rPr lang="en-US" altLang="ko-KR" dirty="0"/>
+              <a:t>- Drop Down </a:t>
+            </a:r>
+            <a:r>
+              <a:rPr lang="ko-KR" altLang="en-US" dirty="0"/>
+              <a:t>메뉴로 수량 선택 기능 부여</a:t>
+            </a:r>
+            <a:endParaRPr lang="en-US" altLang="ko-KR" dirty="0"/>
+          </a:p>
+          <a:p>
+            <a:r>
+              <a:rPr lang="en-US" altLang="ko-KR" dirty="0"/>
+              <a:t>-</a:t>
+            </a:r>
+            <a:r>
+              <a:rPr lang="ko-KR" altLang="en-US" dirty="0"/>
+              <a:t> 수량을 선택함에 따라 </a:t>
+            </a:r>
+            <a:r>
+              <a:rPr lang="en-US" altLang="ko-KR" dirty="0"/>
+              <a:t>header </a:t>
+            </a:r>
+            <a:r>
+              <a:rPr lang="ko-KR" altLang="en-US" dirty="0"/>
+              <a:t>해당 개수 만큼 </a:t>
+            </a:r>
+            <a:r>
+              <a:rPr lang="en-US" altLang="ko-KR" dirty="0"/>
+              <a:t>append </a:t>
+            </a:r>
+            <a:r>
+              <a:rPr lang="ko-KR" altLang="en-US" dirty="0"/>
+              <a:t>할 수 있도록 </a:t>
+            </a:r>
+            <a:r>
+              <a:rPr lang="en-US" altLang="ko-KR" dirty="0"/>
+              <a:t>v-for </a:t>
+            </a:r>
+            <a:r>
+              <a:rPr lang="ko-KR" altLang="en-US" dirty="0"/>
+              <a:t>와 배열구조 작성하도록 코딩</a:t>
+            </a:r>
+            <a:endParaRPr lang="en-US" altLang="ko-KR" dirty="0"/>
+          </a:p>
+        </p:txBody>
+      </p:sp>
+      <p:sp>
+        <p:nvSpPr>
+          <p:cNvPr id="15" name="TextBox 14">
+            <a:extLst>
+              <a:ext uri="{FF2B5EF4-FFF2-40B4-BE49-F238E27FC236}">
+                <a16:creationId xmlns:a16="http://schemas.microsoft.com/office/drawing/2014/main" id="{909D4B12-DF7F-4F2E-87ED-AE426101B387}"/>
+              </a:ext>
+            </a:extLst>
+          </p:cNvPr>
+          <p:cNvSpPr txBox="1"/>
+          <p:nvPr/>
+        </p:nvSpPr>
+        <p:spPr>
+          <a:xfrm>
+            <a:off x="545133" y="3901382"/>
+            <a:ext cx="10953181" cy="2677656"/>
+          </a:xfrm>
+          <a:prstGeom prst="rect">
+            <a:avLst/>
+          </a:prstGeom>
+          <a:noFill/>
+          <a:ln w="28575">
+            <a:solidFill>
+              <a:schemeClr val="accent2">
+                <a:lumMod val="60000"/>
+                <a:lumOff val="40000"/>
+              </a:schemeClr>
+            </a:solidFill>
+            <a:prstDash val="dashDot"/>
+          </a:ln>
+        </p:spPr>
+        <p:txBody>
+          <a:bodyPr wrap="square" rtlCol="0">
+            <a:spAutoFit/>
+          </a:bodyPr>
+          <a:lstStyle/>
+          <a:p>
+            <a:r>
+              <a:rPr lang="en-US" altLang="ko-KR" sz="1050" dirty="0"/>
+              <a:t>HTML)</a:t>
+            </a:r>
+          </a:p>
+          <a:p>
+            <a:r>
+              <a:rPr lang="en-US" altLang="ko-KR" sz="1050" dirty="0"/>
+              <a:t>&lt;div v-for=“line in </a:t>
+            </a:r>
+            <a:r>
+              <a:rPr lang="en-US" altLang="ko-KR" sz="1050" dirty="0" err="1"/>
+              <a:t>element.Header.lines</a:t>
+            </a:r>
+            <a:r>
+              <a:rPr lang="en-US" altLang="ko-KR" sz="1050" dirty="0"/>
+              <a:t>” :key=“lline.name” :class=“</a:t>
+            </a:r>
+            <a:r>
+              <a:rPr lang="en-US" altLang="ko-KR" sz="1050" dirty="0" err="1"/>
+              <a:t>line.class</a:t>
+            </a:r>
+            <a:r>
+              <a:rPr lang="en-US" altLang="ko-KR" sz="1050" dirty="0"/>
+              <a:t>”&gt;&lt;div&gt;</a:t>
+            </a:r>
+          </a:p>
+          <a:p>
+            <a:endParaRPr lang="en-US" altLang="ko-KR" sz="1050" dirty="0"/>
+          </a:p>
+          <a:p>
+            <a:endParaRPr lang="en-US" altLang="ko-KR" sz="1050" dirty="0"/>
+          </a:p>
+          <a:p>
+            <a:r>
+              <a:rPr lang="en-US" altLang="ko-KR" sz="1050" dirty="0"/>
+              <a:t>Script)</a:t>
+            </a:r>
+          </a:p>
+          <a:p>
+            <a:r>
+              <a:rPr lang="en-US" altLang="ko-KR" sz="1050" b="0" dirty="0">
+                <a:solidFill>
+                  <a:srgbClr val="569CD6"/>
+                </a:solidFill>
+                <a:effectLst/>
+                <a:latin typeface="Consolas" panose="020B0609020204030204" pitchFamily="49" charset="0"/>
+              </a:rPr>
+              <a:t>export</a:t>
+            </a:r>
+            <a:r>
+              <a:rPr lang="en-US" altLang="ko-KR" sz="1050" b="0" dirty="0">
+                <a:solidFill>
+                  <a:srgbClr val="D4D4D4"/>
+                </a:solidFill>
+                <a:effectLst/>
+                <a:latin typeface="Consolas" panose="020B0609020204030204" pitchFamily="49" charset="0"/>
+              </a:rPr>
+              <a:t> </a:t>
+            </a:r>
+            <a:r>
+              <a:rPr lang="en-US" altLang="ko-KR" sz="1050" b="0" dirty="0">
+                <a:solidFill>
+                  <a:srgbClr val="569CD6"/>
+                </a:solidFill>
+                <a:effectLst/>
+                <a:latin typeface="Consolas" panose="020B0609020204030204" pitchFamily="49" charset="0"/>
+              </a:rPr>
+              <a:t>default</a:t>
+            </a:r>
+            <a:r>
+              <a:rPr lang="en-US" altLang="ko-KR" sz="1050" b="0" dirty="0">
+                <a:solidFill>
+                  <a:srgbClr val="D4D4D4"/>
+                </a:solidFill>
+                <a:effectLst/>
+                <a:latin typeface="Consolas" panose="020B0609020204030204" pitchFamily="49" charset="0"/>
+              </a:rPr>
+              <a:t> { </a:t>
+            </a:r>
+          </a:p>
+          <a:p>
+            <a:r>
+              <a:rPr lang="en-US" altLang="ko-KR" sz="1050" b="0" dirty="0">
+                <a:solidFill>
+                  <a:srgbClr val="D4D4D4"/>
+                </a:solidFill>
+                <a:effectLst/>
+                <a:latin typeface="Consolas" panose="020B0609020204030204" pitchFamily="49" charset="0"/>
+              </a:rPr>
+              <a:t>  data(){</a:t>
+            </a:r>
+          </a:p>
+          <a:p>
+            <a:r>
+              <a:rPr lang="en-US" altLang="ko-KR" sz="1050" b="0" dirty="0">
+                <a:solidFill>
+                  <a:srgbClr val="D4D4D4"/>
+                </a:solidFill>
+                <a:effectLst/>
+                <a:latin typeface="Consolas" panose="020B0609020204030204" pitchFamily="49" charset="0"/>
+              </a:rPr>
+              <a:t>    </a:t>
+            </a:r>
+            <a:r>
+              <a:rPr lang="en-US" altLang="ko-KR" sz="1050" b="0" dirty="0">
+                <a:solidFill>
+                  <a:srgbClr val="569CD6"/>
+                </a:solidFill>
+                <a:effectLst/>
+                <a:latin typeface="Consolas" panose="020B0609020204030204" pitchFamily="49" charset="0"/>
+              </a:rPr>
+              <a:t>return</a:t>
+            </a:r>
+            <a:r>
+              <a:rPr lang="en-US" altLang="ko-KR" sz="1050" b="0" dirty="0">
+                <a:solidFill>
+                  <a:srgbClr val="D4D4D4"/>
+                </a:solidFill>
+                <a:effectLst/>
+                <a:latin typeface="Consolas" panose="020B0609020204030204" pitchFamily="49" charset="0"/>
+              </a:rPr>
+              <a:t> {</a:t>
+            </a:r>
+          </a:p>
+          <a:p>
+            <a:r>
+              <a:rPr lang="en-US" altLang="ko-KR" sz="1050" b="0" dirty="0">
+                <a:solidFill>
+                  <a:srgbClr val="D4D4D4"/>
+                </a:solidFill>
+                <a:effectLst/>
+                <a:latin typeface="Consolas" panose="020B0609020204030204" pitchFamily="49" charset="0"/>
+              </a:rPr>
+              <a:t>      lines : [</a:t>
+            </a:r>
+          </a:p>
+          <a:p>
+            <a:r>
+              <a:rPr lang="en-US" altLang="ko-KR" sz="1050" dirty="0">
+                <a:solidFill>
+                  <a:srgbClr val="D4D4D4"/>
+                </a:solidFill>
+                <a:latin typeface="Consolas" panose="020B0609020204030204" pitchFamily="49" charset="0"/>
+              </a:rPr>
+              <a:t>	{name: </a:t>
+            </a:r>
+            <a:r>
+              <a:rPr lang="en-US" altLang="ko-KR" sz="1050" dirty="0" err="1">
+                <a:solidFill>
+                  <a:srgbClr val="D4D4D4"/>
+                </a:solidFill>
+                <a:latin typeface="Consolas" panose="020B0609020204030204" pitchFamily="49" charset="0"/>
+              </a:rPr>
+              <a:t>firstHeader</a:t>
+            </a:r>
+            <a:r>
+              <a:rPr lang="en-US" altLang="ko-KR" sz="1050" dirty="0">
+                <a:solidFill>
+                  <a:srgbClr val="D4D4D4"/>
+                </a:solidFill>
+                <a:latin typeface="Consolas" panose="020B0609020204030204" pitchFamily="49" charset="0"/>
+              </a:rPr>
+              <a:t>},</a:t>
+            </a:r>
+          </a:p>
+          <a:p>
+            <a:r>
+              <a:rPr lang="en-US" altLang="ko-KR" sz="1050" dirty="0">
+                <a:solidFill>
+                  <a:srgbClr val="D4D4D4"/>
+                </a:solidFill>
+                <a:latin typeface="Consolas" panose="020B0609020204030204" pitchFamily="49" charset="0"/>
+              </a:rPr>
+              <a:t>	{name: </a:t>
+            </a:r>
+            <a:r>
+              <a:rPr lang="en-US" altLang="ko-KR" sz="1050" dirty="0" err="1">
+                <a:solidFill>
+                  <a:srgbClr val="D4D4D4"/>
+                </a:solidFill>
+                <a:latin typeface="Consolas" panose="020B0609020204030204" pitchFamily="49" charset="0"/>
+              </a:rPr>
+              <a:t>firstHeader</a:t>
+            </a:r>
+            <a:r>
+              <a:rPr lang="en-US" altLang="ko-KR" sz="1050" dirty="0">
+                <a:solidFill>
+                  <a:srgbClr val="D4D4D4"/>
+                </a:solidFill>
+                <a:latin typeface="Consolas" panose="020B0609020204030204" pitchFamily="49" charset="0"/>
+              </a:rPr>
+              <a:t>},</a:t>
+            </a:r>
+          </a:p>
+          <a:p>
+            <a:r>
+              <a:rPr lang="en-US" altLang="ko-KR" sz="1050" dirty="0">
+                <a:solidFill>
+                  <a:srgbClr val="D4D4D4"/>
+                </a:solidFill>
+                <a:latin typeface="Consolas" panose="020B0609020204030204" pitchFamily="49" charset="0"/>
+              </a:rPr>
+              <a:t>	{name: </a:t>
+            </a:r>
+            <a:r>
+              <a:rPr lang="en-US" altLang="ko-KR" sz="1050" dirty="0" err="1">
+                <a:solidFill>
+                  <a:srgbClr val="D4D4D4"/>
+                </a:solidFill>
+                <a:latin typeface="Consolas" panose="020B0609020204030204" pitchFamily="49" charset="0"/>
+              </a:rPr>
+              <a:t>firstHeader</a:t>
+            </a:r>
+            <a:r>
+              <a:rPr lang="en-US" altLang="ko-KR" sz="1050" dirty="0">
+                <a:solidFill>
+                  <a:srgbClr val="D4D4D4"/>
+                </a:solidFill>
+                <a:latin typeface="Consolas" panose="020B0609020204030204" pitchFamily="49" charset="0"/>
+              </a:rPr>
+              <a:t>},</a:t>
+            </a:r>
+          </a:p>
+          <a:p>
+            <a:r>
+              <a:rPr lang="en-US" altLang="ko-KR" sz="1050" b="0" dirty="0">
+                <a:solidFill>
+                  <a:srgbClr val="D4D4D4"/>
+                </a:solidFill>
+                <a:effectLst/>
+                <a:latin typeface="Consolas" panose="020B0609020204030204" pitchFamily="49" charset="0"/>
+              </a:rPr>
+              <a:t>	…..</a:t>
+            </a:r>
+          </a:p>
+          <a:p>
+            <a:r>
+              <a:rPr lang="en-US" altLang="ko-KR" sz="1050" dirty="0">
+                <a:solidFill>
+                  <a:srgbClr val="D4D4D4"/>
+                </a:solidFill>
+                <a:latin typeface="Consolas" panose="020B0609020204030204" pitchFamily="49" charset="0"/>
+              </a:rPr>
+              <a:t>	</a:t>
+            </a:r>
+            <a:r>
+              <a:rPr lang="en-US" altLang="ko-KR" sz="1050" b="0" dirty="0">
+                <a:solidFill>
+                  <a:srgbClr val="D4D4D4"/>
+                </a:solidFill>
+                <a:effectLst/>
+                <a:latin typeface="Consolas" panose="020B0609020204030204" pitchFamily="49" charset="0"/>
+              </a:rPr>
+              <a:t>]</a:t>
+            </a:r>
+          </a:p>
+          <a:p>
+            <a:r>
+              <a:rPr lang="en-US" altLang="ko-KR" sz="1050" dirty="0">
+                <a:solidFill>
+                  <a:srgbClr val="D4D4D4"/>
+                </a:solidFill>
+                <a:latin typeface="Consolas" panose="020B0609020204030204" pitchFamily="49" charset="0"/>
+              </a:rPr>
+              <a:t>  }</a:t>
+            </a:r>
+            <a:br>
+              <a:rPr lang="en-US" altLang="ko-KR" sz="1050" dirty="0">
+                <a:solidFill>
+                  <a:srgbClr val="D4D4D4"/>
+                </a:solidFill>
+                <a:latin typeface="Consolas" panose="020B0609020204030204" pitchFamily="49" charset="0"/>
+              </a:rPr>
+            </a:br>
+            <a:r>
+              <a:rPr lang="en-US" altLang="ko-KR" sz="1050" dirty="0">
+                <a:solidFill>
+                  <a:srgbClr val="D4D4D4"/>
+                </a:solidFill>
+                <a:latin typeface="Consolas" panose="020B0609020204030204" pitchFamily="49" charset="0"/>
+              </a:rPr>
+              <a:t>}</a:t>
+            </a:r>
+            <a:endParaRPr lang="en-US" altLang="ko-KR" sz="1050" dirty="0"/>
+          </a:p>
+        </p:txBody>
+      </p:sp>
+    </p:spTree>
+    <p:extLst>
+      <p:ext uri="{BB962C8B-B14F-4D97-AF65-F5344CB8AC3E}">
+        <p14:creationId xmlns:p14="http://schemas.microsoft.com/office/powerpoint/2010/main" val="1477782956"/>
+      </p:ext>
+    </p:extLst>
+  </p:cSld>
+  <p:clrMapOvr>
+    <a:masterClrMapping/>
+  </p:clrMapOvr>
+</p:sld>
+</file>
+
+<file path=ppt/slides/slide6.xml><?xml version="1.0" encoding="utf-8"?>
+<p:sld xmlns:a="http://schemas.openxmlformats.org/drawingml/2006/main" xmlns:r="http://schemas.openxmlformats.org/officeDocument/2006/relationships" xmlns:p="http://schemas.openxmlformats.org/presentationml/2006/main">
+  <p:cSld>
+    <p:spTree>
+      <p:nvGrpSpPr>
+        <p:cNvPr id="1" name=""/>
+        <p:cNvGrpSpPr/>
+        <p:nvPr/>
+      </p:nvGrpSpPr>
+      <p:grpSpPr>
+        <a:xfrm>
+          <a:off x="0" y="0"/>
+          <a:ext cx="0" cy="0"/>
+          <a:chOff x="0" y="0"/>
+          <a:chExt cx="0" cy="0"/>
+        </a:xfrm>
+      </p:grpSpPr>
+      <p:sp>
+        <p:nvSpPr>
+          <p:cNvPr id="2" name="제목 1">
+            <a:extLst>
+              <a:ext uri="{FF2B5EF4-FFF2-40B4-BE49-F238E27FC236}">
+                <a16:creationId xmlns:a16="http://schemas.microsoft.com/office/drawing/2014/main" id="{5C28D629-4F87-41B9-B62C-3378505F2AAB}"/>
+              </a:ext>
+            </a:extLst>
+          </p:cNvPr>
+          <p:cNvSpPr>
+            <a:spLocks noGrp="1"/>
+          </p:cNvSpPr>
+          <p:nvPr>
+            <p:ph type="title"/>
+          </p:nvPr>
+        </p:nvSpPr>
+        <p:spPr>
+          <a:xfrm>
+            <a:off x="0" y="0"/>
+            <a:ext cx="12192000" cy="900111"/>
+          </a:xfrm>
+          <a:solidFill>
+            <a:schemeClr val="accent1">
+              <a:lumMod val="40000"/>
+              <a:lumOff val="60000"/>
+            </a:schemeClr>
+          </a:solidFill>
+        </p:spPr>
+        <p:txBody>
+          <a:bodyPr>
+            <a:normAutofit/>
+          </a:bodyPr>
+          <a:lstStyle/>
+          <a:p>
+            <a:r>
+              <a:rPr lang="en-US" altLang="ko-KR" sz="2400" dirty="0"/>
+              <a:t>2. </a:t>
+            </a:r>
+            <a:r>
+              <a:rPr lang="ko-KR" altLang="en-US" sz="2400" dirty="0"/>
+              <a:t>기능요약</a:t>
+            </a:r>
+          </a:p>
+        </p:txBody>
+      </p:sp>
+      <p:sp>
+        <p:nvSpPr>
+          <p:cNvPr id="13" name="TextBox 12">
+            <a:extLst>
+              <a:ext uri="{FF2B5EF4-FFF2-40B4-BE49-F238E27FC236}">
+                <a16:creationId xmlns:a16="http://schemas.microsoft.com/office/drawing/2014/main" id="{E1FC743A-A72E-4035-AC51-A9AD9BF22F36}"/>
+              </a:ext>
+            </a:extLst>
+          </p:cNvPr>
+          <p:cNvSpPr txBox="1"/>
+          <p:nvPr/>
+        </p:nvSpPr>
+        <p:spPr>
+          <a:xfrm>
+            <a:off x="278434" y="1100945"/>
+            <a:ext cx="11646866" cy="369332"/>
+          </a:xfrm>
+          <a:prstGeom prst="rect">
+            <a:avLst/>
+          </a:prstGeom>
+          <a:solidFill>
+            <a:schemeClr val="accent6">
+              <a:lumMod val="20000"/>
+              <a:lumOff val="80000"/>
+            </a:schemeClr>
+          </a:solidFill>
+        </p:spPr>
+        <p:txBody>
+          <a:bodyPr wrap="square" rtlCol="0">
+            <a:spAutoFit/>
+          </a:bodyPr>
+          <a:lstStyle/>
+          <a:p>
+            <a:r>
+              <a:rPr lang="en-US" altLang="ko-KR" dirty="0"/>
+              <a:t>3. </a:t>
+            </a:r>
+            <a:r>
+              <a:rPr lang="ko-KR" altLang="en-US" dirty="0"/>
+              <a:t>각 라인의 구성을 선택하게 함</a:t>
+            </a:r>
+            <a:endParaRPr lang="en-US" altLang="ko-KR" dirty="0"/>
+          </a:p>
+        </p:txBody>
+      </p:sp>
+      <p:sp>
+        <p:nvSpPr>
+          <p:cNvPr id="14" name="TextBox 13">
+            <a:extLst>
+              <a:ext uri="{FF2B5EF4-FFF2-40B4-BE49-F238E27FC236}">
+                <a16:creationId xmlns:a16="http://schemas.microsoft.com/office/drawing/2014/main" id="{F15848D5-A981-417D-B38B-11D4F231F955}"/>
+              </a:ext>
+            </a:extLst>
+          </p:cNvPr>
+          <p:cNvSpPr txBox="1"/>
+          <p:nvPr/>
+        </p:nvSpPr>
+        <p:spPr>
+          <a:xfrm>
+            <a:off x="278434" y="1556434"/>
+            <a:ext cx="11646866" cy="646331"/>
+          </a:xfrm>
+          <a:prstGeom prst="rect">
+            <a:avLst/>
+          </a:prstGeom>
+          <a:noFill/>
+          <a:ln>
+            <a:solidFill>
+              <a:schemeClr val="tx1"/>
+            </a:solidFill>
+          </a:ln>
+        </p:spPr>
+        <p:txBody>
+          <a:bodyPr wrap="square" rtlCol="0">
+            <a:spAutoFit/>
+          </a:bodyPr>
+          <a:lstStyle/>
+          <a:p>
+            <a:r>
+              <a:rPr lang="en-US" altLang="ko-KR" dirty="0"/>
+              <a:t>- Drop Down </a:t>
+            </a:r>
+            <a:r>
+              <a:rPr lang="ko-KR" altLang="en-US" dirty="0"/>
+              <a:t>메뉴로 라인내에 몇 개의 </a:t>
+            </a:r>
+            <a:r>
+              <a:rPr lang="en-US" altLang="ko-KR" dirty="0"/>
+              <a:t>a </a:t>
+            </a:r>
+            <a:r>
+              <a:rPr lang="ko-KR" altLang="en-US" dirty="0"/>
+              <a:t>태그가 필요한지 수량 선택 기능 부여</a:t>
+            </a:r>
+            <a:endParaRPr lang="en-US" altLang="ko-KR" dirty="0"/>
+          </a:p>
+          <a:p>
+            <a:r>
+              <a:rPr lang="en-US" altLang="ko-KR" dirty="0"/>
+              <a:t>-</a:t>
+            </a:r>
+            <a:r>
+              <a:rPr lang="ko-KR" altLang="en-US" dirty="0"/>
+              <a:t> 수량을 선택함에 따라 </a:t>
+            </a:r>
+            <a:r>
+              <a:rPr lang="en-US" altLang="ko-KR" dirty="0"/>
+              <a:t>a</a:t>
+            </a:r>
+            <a:r>
+              <a:rPr lang="ko-KR" altLang="en-US" dirty="0"/>
+              <a:t>태그를 선택</a:t>
+            </a:r>
+            <a:r>
+              <a:rPr lang="en-US" altLang="ko-KR" dirty="0"/>
+              <a:t>, </a:t>
+            </a:r>
+            <a:r>
+              <a:rPr lang="ko-KR" altLang="en-US" dirty="0"/>
+              <a:t>작성하도록 메뉴 제시</a:t>
+            </a:r>
+            <a:endParaRPr lang="en-US" altLang="ko-KR" dirty="0"/>
+          </a:p>
+        </p:txBody>
+      </p:sp>
+      <p:sp>
+        <p:nvSpPr>
+          <p:cNvPr id="15" name="TextBox 14">
+            <a:extLst>
+              <a:ext uri="{FF2B5EF4-FFF2-40B4-BE49-F238E27FC236}">
+                <a16:creationId xmlns:a16="http://schemas.microsoft.com/office/drawing/2014/main" id="{909D4B12-DF7F-4F2E-87ED-AE426101B387}"/>
+              </a:ext>
+            </a:extLst>
+          </p:cNvPr>
+          <p:cNvSpPr txBox="1"/>
+          <p:nvPr/>
+        </p:nvSpPr>
+        <p:spPr>
+          <a:xfrm>
+            <a:off x="278433" y="2351982"/>
+            <a:ext cx="11646866" cy="2839239"/>
+          </a:xfrm>
+          <a:prstGeom prst="rect">
+            <a:avLst/>
+          </a:prstGeom>
+          <a:noFill/>
+          <a:ln w="28575">
+            <a:solidFill>
+              <a:schemeClr val="accent2">
+                <a:lumMod val="60000"/>
+                <a:lumOff val="40000"/>
+              </a:schemeClr>
+            </a:solidFill>
+            <a:prstDash val="dashDot"/>
+          </a:ln>
+        </p:spPr>
+        <p:txBody>
+          <a:bodyPr wrap="square" rtlCol="0">
+            <a:spAutoFit/>
+          </a:bodyPr>
+          <a:lstStyle/>
+          <a:p>
+            <a:r>
+              <a:rPr lang="en-US" altLang="ko-KR" sz="1050" dirty="0"/>
+              <a:t>HTML)</a:t>
+            </a:r>
+          </a:p>
+          <a:p>
+            <a:r>
+              <a:rPr lang="en-US" altLang="ko-KR" sz="1050" dirty="0"/>
+              <a:t>&lt;div v-for=“line in </a:t>
+            </a:r>
+            <a:r>
+              <a:rPr lang="en-US" altLang="ko-KR" sz="1050" dirty="0" err="1"/>
+              <a:t>element.Header.lines</a:t>
+            </a:r>
+            <a:r>
+              <a:rPr lang="en-US" altLang="ko-KR" sz="1050" dirty="0"/>
+              <a:t>” :key=“lline.name” :class=“</a:t>
+            </a:r>
+            <a:r>
+              <a:rPr lang="en-US" altLang="ko-KR" sz="1050" dirty="0" err="1"/>
+              <a:t>line.class</a:t>
+            </a:r>
+            <a:r>
+              <a:rPr lang="en-US" altLang="ko-KR" sz="1050" dirty="0"/>
+              <a:t>”&gt;&lt;div&gt;</a:t>
+            </a:r>
+          </a:p>
+          <a:p>
+            <a:endParaRPr lang="en-US" altLang="ko-KR" sz="1050" dirty="0"/>
+          </a:p>
+          <a:p>
+            <a:endParaRPr lang="en-US" altLang="ko-KR" sz="1050" dirty="0"/>
+          </a:p>
+          <a:p>
+            <a:r>
+              <a:rPr lang="en-US" altLang="ko-KR" sz="1050" dirty="0"/>
+              <a:t>Script)</a:t>
+            </a:r>
+          </a:p>
+          <a:p>
+            <a:r>
+              <a:rPr lang="en-US" altLang="ko-KR" sz="1050" b="0" dirty="0">
+                <a:solidFill>
+                  <a:srgbClr val="569CD6"/>
+                </a:solidFill>
+                <a:effectLst/>
+                <a:latin typeface="Consolas" panose="020B0609020204030204" pitchFamily="49" charset="0"/>
+              </a:rPr>
+              <a:t>export</a:t>
+            </a:r>
+            <a:r>
+              <a:rPr lang="en-US" altLang="ko-KR" sz="1050" b="0" dirty="0">
+                <a:solidFill>
+                  <a:srgbClr val="D4D4D4"/>
+                </a:solidFill>
+                <a:effectLst/>
+                <a:latin typeface="Consolas" panose="020B0609020204030204" pitchFamily="49" charset="0"/>
+              </a:rPr>
+              <a:t> </a:t>
+            </a:r>
+            <a:r>
+              <a:rPr lang="en-US" altLang="ko-KR" sz="1050" b="0" dirty="0">
+                <a:solidFill>
+                  <a:srgbClr val="569CD6"/>
+                </a:solidFill>
+                <a:effectLst/>
+                <a:latin typeface="Consolas" panose="020B0609020204030204" pitchFamily="49" charset="0"/>
+              </a:rPr>
+              <a:t>default</a:t>
+            </a:r>
+            <a:r>
+              <a:rPr lang="en-US" altLang="ko-KR" sz="1050" b="0" dirty="0">
+                <a:solidFill>
+                  <a:srgbClr val="D4D4D4"/>
+                </a:solidFill>
+                <a:effectLst/>
+                <a:latin typeface="Consolas" panose="020B0609020204030204" pitchFamily="49" charset="0"/>
+              </a:rPr>
+              <a:t> { </a:t>
+            </a:r>
+          </a:p>
+          <a:p>
+            <a:r>
+              <a:rPr lang="en-US" altLang="ko-KR" sz="1050" b="0" dirty="0">
+                <a:solidFill>
+                  <a:schemeClr val="bg1">
+                    <a:lumMod val="50000"/>
+                  </a:schemeClr>
+                </a:solidFill>
+                <a:effectLst/>
+                <a:latin typeface="Consolas" panose="020B0609020204030204" pitchFamily="49" charset="0"/>
+              </a:rPr>
+              <a:t>  data(){</a:t>
+            </a:r>
+          </a:p>
+          <a:p>
+            <a:r>
+              <a:rPr lang="en-US" altLang="ko-KR" sz="1050" b="0" dirty="0">
+                <a:solidFill>
+                  <a:srgbClr val="D4D4D4"/>
+                </a:solidFill>
+                <a:effectLst/>
+                <a:latin typeface="Consolas" panose="020B0609020204030204" pitchFamily="49" charset="0"/>
+              </a:rPr>
+              <a:t>    </a:t>
+            </a:r>
+            <a:r>
+              <a:rPr lang="en-US" altLang="ko-KR" sz="1050" b="0" dirty="0">
+                <a:solidFill>
+                  <a:srgbClr val="569CD6"/>
+                </a:solidFill>
+                <a:effectLst/>
+                <a:latin typeface="Consolas" panose="020B0609020204030204" pitchFamily="49" charset="0"/>
+              </a:rPr>
+              <a:t>return</a:t>
+            </a:r>
+            <a:r>
+              <a:rPr lang="en-US" altLang="ko-KR" sz="1050" b="0" dirty="0">
+                <a:solidFill>
+                  <a:srgbClr val="D4D4D4"/>
+                </a:solidFill>
+                <a:effectLst/>
+                <a:latin typeface="Consolas" panose="020B0609020204030204" pitchFamily="49" charset="0"/>
+              </a:rPr>
+              <a:t> {</a:t>
+            </a:r>
+          </a:p>
+          <a:p>
+            <a:r>
+              <a:rPr lang="en-US" altLang="ko-KR" sz="1050" b="0" dirty="0">
+                <a:solidFill>
+                  <a:schemeClr val="bg1">
+                    <a:lumMod val="50000"/>
+                  </a:schemeClr>
+                </a:solidFill>
+                <a:effectLst/>
+                <a:latin typeface="Consolas" panose="020B0609020204030204" pitchFamily="49" charset="0"/>
+              </a:rPr>
+              <a:t>      lines : [</a:t>
+            </a:r>
+          </a:p>
+          <a:p>
+            <a:r>
+              <a:rPr lang="en-US" altLang="ko-KR" sz="1050" dirty="0">
+                <a:solidFill>
+                  <a:schemeClr val="bg1">
+                    <a:lumMod val="50000"/>
+                  </a:schemeClr>
+                </a:solidFill>
+                <a:latin typeface="Consolas" panose="020B0609020204030204" pitchFamily="49" charset="0"/>
+              </a:rPr>
+              <a:t>	{name: </a:t>
+            </a:r>
+            <a:r>
+              <a:rPr lang="en-US" altLang="ko-KR" sz="1050" dirty="0" err="1">
+                <a:solidFill>
+                  <a:schemeClr val="bg1">
+                    <a:lumMod val="50000"/>
+                  </a:schemeClr>
+                </a:solidFill>
+                <a:latin typeface="Consolas" panose="020B0609020204030204" pitchFamily="49" charset="0"/>
+              </a:rPr>
+              <a:t>firstHeader</a:t>
+            </a:r>
+            <a:r>
+              <a:rPr lang="en-US" altLang="ko-KR" sz="1050" dirty="0">
+                <a:solidFill>
+                  <a:schemeClr val="bg1">
+                    <a:lumMod val="50000"/>
+                  </a:schemeClr>
+                </a:solidFill>
+                <a:latin typeface="Consolas" panose="020B0609020204030204" pitchFamily="49" charset="0"/>
+              </a:rPr>
+              <a:t>, </a:t>
+            </a:r>
+          </a:p>
+          <a:p>
+            <a:r>
+              <a:rPr lang="en-US" altLang="ko-KR" sz="1050" dirty="0">
+                <a:solidFill>
+                  <a:schemeClr val="bg1">
+                    <a:lumMod val="50000"/>
+                  </a:schemeClr>
+                </a:solidFill>
+                <a:latin typeface="Consolas" panose="020B0609020204030204" pitchFamily="49" charset="0"/>
+              </a:rPr>
+              <a:t>	 items</a:t>
+            </a:r>
+            <a:r>
+              <a:rPr lang="ko-KR" altLang="en-US" sz="1050" dirty="0">
+                <a:solidFill>
+                  <a:schemeClr val="bg1">
+                    <a:lumMod val="50000"/>
+                  </a:schemeClr>
+                </a:solidFill>
+                <a:latin typeface="Consolas" panose="020B0609020204030204" pitchFamily="49" charset="0"/>
+              </a:rPr>
+              <a:t> </a:t>
+            </a:r>
+            <a:r>
+              <a:rPr lang="en-US" altLang="ko-KR" sz="1050" dirty="0">
+                <a:solidFill>
+                  <a:schemeClr val="bg1">
+                    <a:lumMod val="50000"/>
+                  </a:schemeClr>
+                </a:solidFill>
+                <a:latin typeface="Consolas" panose="020B0609020204030204" pitchFamily="49" charset="0"/>
+              </a:rPr>
+              <a:t>:</a:t>
+            </a:r>
+            <a:r>
+              <a:rPr lang="ko-KR" altLang="en-US" sz="1050" dirty="0">
+                <a:solidFill>
+                  <a:schemeClr val="bg1">
+                    <a:lumMod val="50000"/>
+                  </a:schemeClr>
+                </a:solidFill>
+                <a:latin typeface="Consolas" panose="020B0609020204030204" pitchFamily="49" charset="0"/>
+              </a:rPr>
+              <a:t> </a:t>
+            </a:r>
+            <a:r>
+              <a:rPr lang="en-US" altLang="ko-KR" sz="1050" dirty="0">
+                <a:solidFill>
+                  <a:schemeClr val="bg1">
+                    <a:lumMod val="50000"/>
+                  </a:schemeClr>
+                </a:solidFill>
+                <a:latin typeface="Consolas" panose="020B0609020204030204" pitchFamily="49" charset="0"/>
+              </a:rPr>
+              <a:t>[</a:t>
+            </a:r>
+          </a:p>
+          <a:p>
+            <a:r>
+              <a:rPr lang="en-US" altLang="ko-KR" sz="1050" dirty="0">
+                <a:solidFill>
+                  <a:schemeClr val="bg1">
+                    <a:lumMod val="50000"/>
+                  </a:schemeClr>
+                </a:solidFill>
+                <a:latin typeface="Consolas" panose="020B0609020204030204" pitchFamily="49" charset="0"/>
+              </a:rPr>
+              <a:t>	    {name</a:t>
+            </a:r>
+            <a:r>
+              <a:rPr lang="ko-KR" altLang="en-US" sz="1050" dirty="0">
+                <a:solidFill>
+                  <a:schemeClr val="bg1">
+                    <a:lumMod val="50000"/>
+                  </a:schemeClr>
+                </a:solidFill>
+                <a:latin typeface="Consolas" panose="020B0609020204030204" pitchFamily="49" charset="0"/>
+              </a:rPr>
+              <a:t> </a:t>
+            </a:r>
+            <a:r>
+              <a:rPr lang="en-US" altLang="ko-KR" sz="1050" dirty="0">
+                <a:solidFill>
+                  <a:schemeClr val="bg1">
+                    <a:lumMod val="50000"/>
+                  </a:schemeClr>
+                </a:solidFill>
+                <a:latin typeface="Consolas" panose="020B0609020204030204" pitchFamily="49" charset="0"/>
+              </a:rPr>
+              <a:t>:</a:t>
+            </a:r>
+            <a:r>
+              <a:rPr lang="ko-KR" altLang="en-US" sz="1050" dirty="0">
+                <a:solidFill>
+                  <a:schemeClr val="bg1">
+                    <a:lumMod val="50000"/>
+                  </a:schemeClr>
+                </a:solidFill>
+                <a:latin typeface="Consolas" panose="020B0609020204030204" pitchFamily="49" charset="0"/>
+              </a:rPr>
+              <a:t> </a:t>
+            </a:r>
+            <a:r>
+              <a:rPr lang="en-US" altLang="ko-KR" sz="1050" dirty="0">
+                <a:solidFill>
+                  <a:schemeClr val="bg1">
+                    <a:lumMod val="50000"/>
+                  </a:schemeClr>
+                </a:solidFill>
+                <a:latin typeface="Consolas" panose="020B0609020204030204" pitchFamily="49" charset="0"/>
+              </a:rPr>
+              <a:t>“</a:t>
+            </a:r>
+            <a:r>
+              <a:rPr lang="ko-KR" altLang="en-US" sz="1050" dirty="0">
+                <a:solidFill>
+                  <a:schemeClr val="bg1">
+                    <a:lumMod val="50000"/>
+                  </a:schemeClr>
+                </a:solidFill>
+                <a:latin typeface="Consolas" panose="020B0609020204030204" pitchFamily="49" charset="0"/>
+              </a:rPr>
+              <a:t>차량</a:t>
+            </a:r>
+            <a:r>
+              <a:rPr lang="en-US" altLang="ko-KR" sz="1050" dirty="0">
+                <a:solidFill>
+                  <a:schemeClr val="bg1">
+                    <a:lumMod val="50000"/>
+                  </a:schemeClr>
+                </a:solidFill>
+                <a:latin typeface="Consolas" panose="020B0609020204030204" pitchFamily="49" charset="0"/>
+              </a:rPr>
+              <a:t>”, </a:t>
+            </a:r>
+            <a:r>
+              <a:rPr lang="en-US" altLang="ko-KR" sz="1050" dirty="0" err="1">
+                <a:solidFill>
+                  <a:schemeClr val="bg1">
+                    <a:lumMod val="50000"/>
+                  </a:schemeClr>
+                </a:solidFill>
+                <a:latin typeface="Consolas" panose="020B0609020204030204" pitchFamily="49" charset="0"/>
+              </a:rPr>
+              <a:t>href</a:t>
+            </a:r>
+            <a:r>
+              <a:rPr lang="en-US" altLang="ko-KR" sz="1050" dirty="0">
+                <a:solidFill>
+                  <a:schemeClr val="bg1">
+                    <a:lumMod val="50000"/>
+                  </a:schemeClr>
+                </a:solidFill>
+                <a:latin typeface="Consolas" panose="020B0609020204030204" pitchFamily="49" charset="0"/>
+              </a:rPr>
+              <a:t>: </a:t>
+            </a:r>
+            <a:r>
+              <a:rPr lang="en-US" altLang="ko-KR" sz="1050" dirty="0">
+                <a:solidFill>
+                  <a:schemeClr val="bg1">
+                    <a:lumMod val="50000"/>
+                  </a:schemeClr>
+                </a:solidFill>
+                <a:latin typeface="Consolas" panose="020B0609020204030204" pitchFamily="49" charset="0"/>
+                <a:hlinkClick r:id="rId2"/>
+              </a:rPr>
+              <a:t>https://~~~</a:t>
+            </a:r>
+            <a:r>
+              <a:rPr lang="en-US" altLang="ko-KR" sz="1050" dirty="0">
+                <a:solidFill>
+                  <a:schemeClr val="bg1">
+                    <a:lumMod val="50000"/>
+                  </a:schemeClr>
+                </a:solidFill>
+                <a:latin typeface="Consolas" panose="020B0609020204030204" pitchFamily="49" charset="0"/>
+              </a:rPr>
+              <a:t>”},</a:t>
+            </a:r>
+          </a:p>
+          <a:p>
+            <a:r>
+              <a:rPr lang="en-US" altLang="ko-KR" sz="1050" dirty="0">
+                <a:solidFill>
+                  <a:schemeClr val="bg1">
+                    <a:lumMod val="50000"/>
+                  </a:schemeClr>
+                </a:solidFill>
+                <a:latin typeface="Consolas" panose="020B0609020204030204" pitchFamily="49" charset="0"/>
+              </a:rPr>
+              <a:t>	    {name</a:t>
+            </a:r>
+            <a:r>
+              <a:rPr lang="ko-KR" altLang="en-US" sz="1050" dirty="0">
+                <a:solidFill>
+                  <a:schemeClr val="bg1">
+                    <a:lumMod val="50000"/>
+                  </a:schemeClr>
+                </a:solidFill>
+                <a:latin typeface="Consolas" panose="020B0609020204030204" pitchFamily="49" charset="0"/>
+              </a:rPr>
+              <a:t> </a:t>
+            </a:r>
+            <a:r>
+              <a:rPr lang="en-US" altLang="ko-KR" sz="1050" dirty="0">
+                <a:solidFill>
+                  <a:schemeClr val="bg1">
+                    <a:lumMod val="50000"/>
+                  </a:schemeClr>
+                </a:solidFill>
+                <a:latin typeface="Consolas" panose="020B0609020204030204" pitchFamily="49" charset="0"/>
+              </a:rPr>
+              <a:t>:</a:t>
+            </a:r>
+            <a:r>
+              <a:rPr lang="ko-KR" altLang="en-US" sz="1050" dirty="0">
+                <a:solidFill>
+                  <a:schemeClr val="bg1">
+                    <a:lumMod val="50000"/>
+                  </a:schemeClr>
+                </a:solidFill>
+                <a:latin typeface="Consolas" panose="020B0609020204030204" pitchFamily="49" charset="0"/>
+              </a:rPr>
+              <a:t> </a:t>
+            </a:r>
+            <a:r>
+              <a:rPr lang="en-US" altLang="ko-KR" sz="1050" dirty="0">
+                <a:solidFill>
+                  <a:schemeClr val="bg1">
+                    <a:lumMod val="50000"/>
+                  </a:schemeClr>
+                </a:solidFill>
+                <a:latin typeface="Consolas" panose="020B0609020204030204" pitchFamily="49" charset="0"/>
+              </a:rPr>
+              <a:t>“</a:t>
+            </a:r>
+            <a:r>
+              <a:rPr lang="ko-KR" altLang="en-US" sz="1050" dirty="0">
+                <a:solidFill>
+                  <a:schemeClr val="bg1">
+                    <a:lumMod val="50000"/>
+                  </a:schemeClr>
+                </a:solidFill>
+                <a:latin typeface="Consolas" panose="020B0609020204030204" pitchFamily="49" charset="0"/>
+              </a:rPr>
+              <a:t>구매정보</a:t>
+            </a:r>
+            <a:r>
+              <a:rPr lang="en-US" altLang="ko-KR" sz="1050" dirty="0">
+                <a:solidFill>
+                  <a:schemeClr val="bg1">
+                    <a:lumMod val="50000"/>
+                  </a:schemeClr>
+                </a:solidFill>
+                <a:latin typeface="Consolas" panose="020B0609020204030204" pitchFamily="49" charset="0"/>
+              </a:rPr>
+              <a:t>”, </a:t>
+            </a:r>
+            <a:r>
+              <a:rPr lang="en-US" altLang="ko-KR" sz="1050" dirty="0" err="1">
+                <a:solidFill>
+                  <a:schemeClr val="bg1">
+                    <a:lumMod val="50000"/>
+                  </a:schemeClr>
+                </a:solidFill>
+                <a:latin typeface="Consolas" panose="020B0609020204030204" pitchFamily="49" charset="0"/>
+              </a:rPr>
+              <a:t>href</a:t>
+            </a:r>
+            <a:r>
+              <a:rPr lang="en-US" altLang="ko-KR" sz="1050" dirty="0">
+                <a:solidFill>
+                  <a:schemeClr val="bg1">
+                    <a:lumMod val="50000"/>
+                  </a:schemeClr>
+                </a:solidFill>
+                <a:latin typeface="Consolas" panose="020B0609020204030204" pitchFamily="49" charset="0"/>
+              </a:rPr>
+              <a:t>: </a:t>
+            </a:r>
+            <a:r>
+              <a:rPr lang="en-US" altLang="ko-KR" sz="1050" dirty="0">
+                <a:solidFill>
+                  <a:schemeClr val="bg1">
+                    <a:lumMod val="50000"/>
+                  </a:schemeClr>
+                </a:solidFill>
+                <a:latin typeface="Consolas" panose="020B0609020204030204" pitchFamily="49" charset="0"/>
+                <a:hlinkClick r:id="rId2"/>
+              </a:rPr>
+              <a:t>https://~~~</a:t>
+            </a:r>
+            <a:r>
+              <a:rPr lang="en-US" altLang="ko-KR" sz="1050" dirty="0">
+                <a:solidFill>
+                  <a:schemeClr val="bg1">
+                    <a:lumMod val="50000"/>
+                  </a:schemeClr>
+                </a:solidFill>
+                <a:latin typeface="Consolas" panose="020B0609020204030204" pitchFamily="49" charset="0"/>
+              </a:rPr>
+              <a:t>”},</a:t>
+            </a:r>
+          </a:p>
+          <a:p>
+            <a:r>
+              <a:rPr lang="en-US" altLang="ko-KR" sz="1050" dirty="0">
+                <a:solidFill>
+                  <a:schemeClr val="bg1">
+                    <a:lumMod val="50000"/>
+                  </a:schemeClr>
+                </a:solidFill>
+                <a:latin typeface="Consolas" panose="020B0609020204030204" pitchFamily="49" charset="0"/>
+              </a:rPr>
+              <a:t>	    {name</a:t>
+            </a:r>
+            <a:r>
+              <a:rPr lang="ko-KR" altLang="en-US" sz="1050" dirty="0">
+                <a:solidFill>
+                  <a:schemeClr val="bg1">
+                    <a:lumMod val="50000"/>
+                  </a:schemeClr>
+                </a:solidFill>
+                <a:latin typeface="Consolas" panose="020B0609020204030204" pitchFamily="49" charset="0"/>
+              </a:rPr>
+              <a:t> </a:t>
+            </a:r>
+            <a:r>
+              <a:rPr lang="en-US" altLang="ko-KR" sz="1050" dirty="0">
+                <a:solidFill>
+                  <a:schemeClr val="bg1">
+                    <a:lumMod val="50000"/>
+                  </a:schemeClr>
+                </a:solidFill>
+                <a:latin typeface="Consolas" panose="020B0609020204030204" pitchFamily="49" charset="0"/>
+              </a:rPr>
+              <a:t>:</a:t>
+            </a:r>
+            <a:r>
+              <a:rPr lang="ko-KR" altLang="en-US" sz="1050" dirty="0">
+                <a:solidFill>
+                  <a:schemeClr val="bg1">
+                    <a:lumMod val="50000"/>
+                  </a:schemeClr>
+                </a:solidFill>
+                <a:latin typeface="Consolas" panose="020B0609020204030204" pitchFamily="49" charset="0"/>
+              </a:rPr>
+              <a:t> </a:t>
+            </a:r>
+            <a:r>
+              <a:rPr lang="en-US" altLang="ko-KR" sz="1050" dirty="0">
+                <a:solidFill>
+                  <a:schemeClr val="bg1">
+                    <a:lumMod val="50000"/>
+                  </a:schemeClr>
+                </a:solidFill>
+                <a:latin typeface="Consolas" panose="020B0609020204030204" pitchFamily="49" charset="0"/>
+              </a:rPr>
+              <a:t>“</a:t>
+            </a:r>
+            <a:r>
+              <a:rPr lang="ko-KR" altLang="en-US" sz="1050" dirty="0">
+                <a:solidFill>
+                  <a:schemeClr val="bg1">
+                    <a:lumMod val="50000"/>
+                  </a:schemeClr>
+                </a:solidFill>
+                <a:latin typeface="Consolas" panose="020B0609020204030204" pitchFamily="49" charset="0"/>
+              </a:rPr>
+              <a:t>고객센터</a:t>
+            </a:r>
+            <a:r>
+              <a:rPr lang="en-US" altLang="ko-KR" sz="1050" dirty="0">
+                <a:solidFill>
+                  <a:schemeClr val="bg1">
+                    <a:lumMod val="50000"/>
+                  </a:schemeClr>
+                </a:solidFill>
+                <a:latin typeface="Consolas" panose="020B0609020204030204" pitchFamily="49" charset="0"/>
+              </a:rPr>
+              <a:t>”, </a:t>
+            </a:r>
+            <a:r>
+              <a:rPr lang="en-US" altLang="ko-KR" sz="1050" dirty="0" err="1">
+                <a:solidFill>
+                  <a:schemeClr val="bg1">
+                    <a:lumMod val="50000"/>
+                  </a:schemeClr>
+                </a:solidFill>
+                <a:latin typeface="Consolas" panose="020B0609020204030204" pitchFamily="49" charset="0"/>
+              </a:rPr>
+              <a:t>href</a:t>
+            </a:r>
+            <a:r>
+              <a:rPr lang="en-US" altLang="ko-KR" sz="1050" dirty="0">
+                <a:solidFill>
+                  <a:schemeClr val="bg1">
+                    <a:lumMod val="50000"/>
+                  </a:schemeClr>
+                </a:solidFill>
+                <a:latin typeface="Consolas" panose="020B0609020204030204" pitchFamily="49" charset="0"/>
+              </a:rPr>
+              <a:t>: </a:t>
+            </a:r>
+            <a:r>
+              <a:rPr lang="en-US" altLang="ko-KR" sz="1050" dirty="0">
+                <a:solidFill>
+                  <a:schemeClr val="bg1">
+                    <a:lumMod val="50000"/>
+                  </a:schemeClr>
+                </a:solidFill>
+                <a:latin typeface="Consolas" panose="020B0609020204030204" pitchFamily="49" charset="0"/>
+                <a:hlinkClick r:id="rId2"/>
+              </a:rPr>
+              <a:t>https://~~~</a:t>
+            </a:r>
+            <a:r>
+              <a:rPr lang="en-US" altLang="ko-KR" sz="1050" dirty="0">
+                <a:solidFill>
+                  <a:schemeClr val="bg1">
+                    <a:lumMod val="50000"/>
+                  </a:schemeClr>
+                </a:solidFill>
+                <a:latin typeface="Consolas" panose="020B0609020204030204" pitchFamily="49" charset="0"/>
+              </a:rPr>
+              <a:t>”}</a:t>
+            </a:r>
+          </a:p>
+          <a:p>
+            <a:r>
+              <a:rPr lang="en-US" altLang="ko-KR" sz="1050" dirty="0">
+                <a:solidFill>
+                  <a:schemeClr val="bg1">
+                    <a:lumMod val="50000"/>
+                  </a:schemeClr>
+                </a:solidFill>
+                <a:latin typeface="Consolas" panose="020B0609020204030204" pitchFamily="49" charset="0"/>
+              </a:rPr>
+              <a:t>},</a:t>
+            </a:r>
+          </a:p>
+          <a:p>
+            <a:r>
+              <a:rPr lang="en-US" altLang="ko-KR" sz="1050" dirty="0">
+                <a:solidFill>
+                  <a:schemeClr val="bg1">
+                    <a:lumMod val="50000"/>
+                  </a:schemeClr>
+                </a:solidFill>
+                <a:latin typeface="Consolas" panose="020B0609020204030204" pitchFamily="49" charset="0"/>
+              </a:rPr>
+              <a:t>}</a:t>
+            </a:r>
+            <a:br>
+              <a:rPr lang="en-US" altLang="ko-KR" sz="1050" dirty="0">
+                <a:solidFill>
+                  <a:schemeClr val="bg1">
+                    <a:lumMod val="50000"/>
+                  </a:schemeClr>
+                </a:solidFill>
+                <a:latin typeface="Consolas" panose="020B0609020204030204" pitchFamily="49" charset="0"/>
+              </a:rPr>
+            </a:br>
+            <a:r>
+              <a:rPr lang="en-US" altLang="ko-KR" sz="1050" dirty="0">
+                <a:solidFill>
+                  <a:schemeClr val="bg1">
+                    <a:lumMod val="50000"/>
+                  </a:schemeClr>
+                </a:solidFill>
+                <a:latin typeface="Consolas" panose="020B0609020204030204" pitchFamily="49" charset="0"/>
+              </a:rPr>
+              <a:t>}</a:t>
+            </a:r>
+            <a:endParaRPr lang="en-US" altLang="ko-KR" sz="1050" dirty="0">
+              <a:solidFill>
+                <a:schemeClr val="bg1">
+                  <a:lumMod val="50000"/>
+                </a:schemeClr>
+              </a:solidFill>
+            </a:endParaRPr>
+          </a:p>
+        </p:txBody>
+      </p:sp>
+      <p:sp>
+        <p:nvSpPr>
+          <p:cNvPr id="9" name="TextBox 8">
+            <a:extLst>
+              <a:ext uri="{FF2B5EF4-FFF2-40B4-BE49-F238E27FC236}">
+                <a16:creationId xmlns:a16="http://schemas.microsoft.com/office/drawing/2014/main" id="{F6208AA0-0B98-4AC1-9D55-8E8902846BEA}"/>
+              </a:ext>
+            </a:extLst>
+          </p:cNvPr>
+          <p:cNvSpPr txBox="1"/>
+          <p:nvPr/>
+        </p:nvSpPr>
+        <p:spPr>
+          <a:xfrm>
+            <a:off x="12029440" y="1796813"/>
+            <a:ext cx="4084320" cy="1200329"/>
           </a:xfrm>
           <a:prstGeom prst="rect">
             <a:avLst/>
@@ -5090,26 +6569,79 @@
           </a:bodyPr>
           <a:lstStyle/>
           <a:p>
-            <a:r>
-              <a:rPr lang="en-US" altLang="ko-KR" dirty="0"/>
-              <a:t>1. Header </a:t>
-            </a:r>
-            <a:r>
-              <a:rPr lang="ko-KR" altLang="en-US" dirty="0"/>
-              <a:t>구성을 위한 선택지 </a:t>
-            </a:r>
-            <a:endParaRPr lang="en-US" altLang="ko-KR" dirty="0"/>
-          </a:p>
-          <a:p>
             <a:pPr marL="342900" indent="-342900">
               <a:buAutoNum type="arabicPeriod"/>
             </a:pPr>
+            <a:r>
+              <a:rPr lang="ko-KR" altLang="en-US" dirty="0"/>
+              <a:t>로고 이미지</a:t>
+            </a:r>
             <a:endParaRPr lang="en-US" altLang="ko-KR" dirty="0"/>
           </a:p>
           <a:p>
             <a:pPr marL="342900" indent="-342900">
               <a:buAutoNum type="arabicPeriod"/>
             </a:pPr>
+            <a:r>
+              <a:rPr lang="ko-KR" altLang="en-US" dirty="0"/>
+              <a:t>라인 </a:t>
+            </a:r>
+            <a:r>
+              <a:rPr lang="en-US" altLang="ko-KR" dirty="0"/>
+              <a:t>div</a:t>
+            </a:r>
+            <a:r>
+              <a:rPr lang="ko-KR" altLang="en-US" dirty="0"/>
+              <a:t>의 조합으로 되어있음</a:t>
+            </a:r>
+            <a:endParaRPr lang="en-US" altLang="ko-KR" dirty="0"/>
+          </a:p>
+          <a:p>
+            <a:pPr marL="342900" indent="-342900">
+              <a:buAutoNum type="arabicPeriod"/>
+            </a:pPr>
+            <a:r>
+              <a:rPr lang="ko-KR" altLang="en-US" dirty="0"/>
+              <a:t>메뉴</a:t>
+            </a:r>
+            <a:r>
+              <a:rPr lang="en-US" altLang="ko-KR" dirty="0"/>
+              <a:t>(a</a:t>
+            </a:r>
+            <a:r>
+              <a:rPr lang="ko-KR" altLang="en-US" dirty="0"/>
+              <a:t>태그</a:t>
+            </a:r>
+            <a:r>
+              <a:rPr lang="en-US" altLang="ko-KR" dirty="0"/>
+              <a:t>)</a:t>
+            </a:r>
+            <a:r>
+              <a:rPr lang="ko-KR" altLang="en-US" dirty="0"/>
+              <a:t> 나열</a:t>
+            </a:r>
+            <a:endParaRPr lang="en-US" altLang="ko-KR" dirty="0"/>
+          </a:p>
+          <a:p>
+            <a:pPr marL="342900" indent="-342900">
+              <a:buAutoNum type="arabicPeriod"/>
+            </a:pPr>
+            <a:r>
+              <a:rPr lang="ko-KR" altLang="en-US" dirty="0"/>
+              <a:t>메뉴는 텍스트 또는 이미지</a:t>
+            </a:r>
+            <a:r>
+              <a:rPr lang="en-US" altLang="ko-KR" dirty="0"/>
+              <a:t>(CI </a:t>
+            </a:r>
+            <a:r>
+              <a:rPr lang="ko-KR" altLang="en-US" dirty="0"/>
+              <a:t>등</a:t>
+            </a:r>
+            <a:r>
+              <a:rPr lang="en-US" altLang="ko-KR" dirty="0"/>
+              <a:t>)</a:t>
+            </a:r>
             <a:endParaRPr lang="ko-KR" altLang="en-US" dirty="0"/>
           </a:p>
         </p:txBody>
@@ -5117,7 +6649,7 @@
     </p:spTree>
     <p:extLst>
       <p:ext uri="{BB962C8B-B14F-4D97-AF65-F5344CB8AC3E}">
-        <p14:creationId xmlns:p14="http://schemas.microsoft.com/office/powerpoint/2010/main" val="1477782956"/>
+        <p14:creationId xmlns:p14="http://schemas.microsoft.com/office/powerpoint/2010/main" val="3515633984"/>
       </p:ext>
     </p:extLst>
   </p:cSld>
